--- a/2026/2026-02-20-AI-Updates.pptx
+++ b/2026/2026-02-20-AI-Updates.pptx
@@ -2823,7 +2823,7 @@
   <p:cSld>
     <p:spTree>
       <p:nvGrpSpPr>
-        <p:cNvPr id="1" name="Shape 240"/>
+        <p:cNvPr id="1" name="Shape 241"/>
         <p:cNvGrpSpPr/>
         <p:nvPr/>
       </p:nvGrpSpPr>
@@ -2837,7 +2837,7 @@
       </p:grpSpPr>
       <p:sp>
         <p:nvSpPr>
-          <p:cNvPr id="241" name="Google Shape;241;g3c94bcbf72b_0_87:notes"/>
+          <p:cNvPr id="242" name="Google Shape;242;g3c94bcbf72b_0_87:notes"/>
           <p:cNvSpPr>
             <a:spLocks noGrp="1" noRot="1" noChangeAspect="1"/>
           </p:cNvSpPr>
@@ -2888,7 +2888,7 @@
       </p:sp>
       <p:sp>
         <p:nvSpPr>
-          <p:cNvPr id="242" name="Google Shape;242;g3c94bcbf72b_0_87:notes"/>
+          <p:cNvPr id="243" name="Google Shape;243;g3c94bcbf72b_0_87:notes"/>
           <p:cNvSpPr txBox="1">
             <a:spLocks noGrp="1"/>
           </p:cNvSpPr>
@@ -2945,7 +2945,7 @@
   <p:cSld>
     <p:spTree>
       <p:nvGrpSpPr>
-        <p:cNvPr id="1" name="Shape 248"/>
+        <p:cNvPr id="1" name="Shape 249"/>
         <p:cNvGrpSpPr/>
         <p:nvPr/>
       </p:nvGrpSpPr>
@@ -2959,7 +2959,7 @@
       </p:grpSpPr>
       <p:sp>
         <p:nvSpPr>
-          <p:cNvPr id="249" name="Google Shape;249;g3c923337cc7_0_3:notes"/>
+          <p:cNvPr id="250" name="Google Shape;250;g3c923337cc7_0_3:notes"/>
           <p:cNvSpPr>
             <a:spLocks noGrp="1" noRot="1" noChangeAspect="1"/>
           </p:cNvSpPr>
@@ -3010,7 +3010,7 @@
       </p:sp>
       <p:sp>
         <p:nvSpPr>
-          <p:cNvPr id="250" name="Google Shape;250;g3c923337cc7_0_3:notes"/>
+          <p:cNvPr id="251" name="Google Shape;251;g3c923337cc7_0_3:notes"/>
           <p:cNvSpPr txBox="1">
             <a:spLocks noGrp="1"/>
           </p:cNvSpPr>
@@ -3067,7 +3067,7 @@
   <p:cSld>
     <p:spTree>
       <p:nvGrpSpPr>
-        <p:cNvPr id="1" name="Shape 256"/>
+        <p:cNvPr id="1" name="Shape 257"/>
         <p:cNvGrpSpPr/>
         <p:nvPr/>
       </p:nvGrpSpPr>
@@ -3081,7 +3081,7 @@
       </p:grpSpPr>
       <p:sp>
         <p:nvSpPr>
-          <p:cNvPr id="257" name="Google Shape;257;p23:notes"/>
+          <p:cNvPr id="258" name="Google Shape;258;p23:notes"/>
           <p:cNvSpPr>
             <a:spLocks noGrp="1" noRot="1" noChangeAspect="1"/>
           </p:cNvSpPr>
@@ -3132,7 +3132,7 @@
       </p:sp>
       <p:sp>
         <p:nvSpPr>
-          <p:cNvPr id="258" name="Google Shape;258;p23:notes"/>
+          <p:cNvPr id="259" name="Google Shape;259;p23:notes"/>
           <p:cNvSpPr txBox="1">
             <a:spLocks noGrp="1"/>
           </p:cNvSpPr>
@@ -3189,7 +3189,7 @@
   <p:cSld>
     <p:spTree>
       <p:nvGrpSpPr>
-        <p:cNvPr id="1" name="Shape 266"/>
+        <p:cNvPr id="1" name="Shape 267"/>
         <p:cNvGrpSpPr/>
         <p:nvPr/>
       </p:nvGrpSpPr>
@@ -3203,7 +3203,7 @@
       </p:grpSpPr>
       <p:sp>
         <p:nvSpPr>
-          <p:cNvPr id="267" name="Google Shape;267;p24:notes"/>
+          <p:cNvPr id="268" name="Google Shape;268;p24:notes"/>
           <p:cNvSpPr>
             <a:spLocks noGrp="1" noRot="1" noChangeAspect="1"/>
           </p:cNvSpPr>
@@ -3254,7 +3254,7 @@
       </p:sp>
       <p:sp>
         <p:nvSpPr>
-          <p:cNvPr id="268" name="Google Shape;268;p24:notes"/>
+          <p:cNvPr id="269" name="Google Shape;269;p24:notes"/>
           <p:cNvSpPr txBox="1">
             <a:spLocks noGrp="1"/>
           </p:cNvSpPr>
@@ -3311,7 +3311,7 @@
   <p:cSld>
     <p:spTree>
       <p:nvGrpSpPr>
-        <p:cNvPr id="1" name="Shape 276"/>
+        <p:cNvPr id="1" name="Shape 277"/>
         <p:cNvGrpSpPr/>
         <p:nvPr/>
       </p:nvGrpSpPr>
@@ -3325,7 +3325,7 @@
       </p:grpSpPr>
       <p:sp>
         <p:nvSpPr>
-          <p:cNvPr id="277" name="Google Shape;277;p25:notes"/>
+          <p:cNvPr id="278" name="Google Shape;278;p25:notes"/>
           <p:cNvSpPr>
             <a:spLocks noGrp="1" noRot="1" noChangeAspect="1"/>
           </p:cNvSpPr>
@@ -3376,7 +3376,7 @@
       </p:sp>
       <p:sp>
         <p:nvSpPr>
-          <p:cNvPr id="278" name="Google Shape;278;p25:notes"/>
+          <p:cNvPr id="279" name="Google Shape;279;p25:notes"/>
           <p:cNvSpPr txBox="1">
             <a:spLocks noGrp="1"/>
           </p:cNvSpPr>
@@ -24109,7 +24109,7 @@
             <a:tbl>
               <a:tblPr>
                 <a:noFill/>
-                <a:tableStyleId>{677741E8-6E6B-47FE-A0D0-E6C5AD0FA3BB}</a:tableStyleId>
+                <a:tableStyleId>{99B43F80-D533-4500-9FAB-0FDA21B5F847}</a:tableStyleId>
               </a:tblPr>
               <a:tblGrid>
                 <a:gridCol w="276225">
@@ -30432,7 +30432,7 @@
             <a:tbl>
               <a:tblPr>
                 <a:noFill/>
-                <a:tableStyleId>{677741E8-6E6B-47FE-A0D0-E6C5AD0FA3BB}</a:tableStyleId>
+                <a:tableStyleId>{99B43F80-D533-4500-9FAB-0FDA21B5F847}</a:tableStyleId>
               </a:tblPr>
               <a:tblGrid>
                 <a:gridCol w="276225">
@@ -36755,7 +36755,7 @@
             <a:tbl>
               <a:tblPr>
                 <a:noFill/>
-                <a:tableStyleId>{677741E8-6E6B-47FE-A0D0-E6C5AD0FA3BB}</a:tableStyleId>
+                <a:tableStyleId>{99B43F80-D533-4500-9FAB-0FDA21B5F847}</a:tableStyleId>
               </a:tblPr>
               <a:tblGrid>
                 <a:gridCol w="219050">
@@ -39074,7 +39074,7 @@
         <p:spPr>
           <a:xfrm>
             <a:off x="55075" y="466800"/>
-            <a:ext cx="4459200" cy="7037400"/>
+            <a:ext cx="4459200" cy="3343200"/>
           </a:xfrm>
           <a:prstGeom prst="rect">
             <a:avLst/>
@@ -39113,13 +39113,17 @@
               <a:buChar char="●"/>
             </a:pPr>
             <a:r>
-              <a:rPr lang="en" sz="1200">
-                <a:latin typeface="Calibri"/>
-                <a:ea typeface="Calibri"/>
-                <a:cs typeface="Calibri"/>
-                <a:sym typeface="Calibri"/>
-              </a:rPr>
-              <a:t>Install Visual Studio Code, add Claude Code extension</a:t>
+              <a:rPr lang="en" sz="1200" u="sng">
+                <a:solidFill>
+                  <a:schemeClr val="hlink"/>
+                </a:solidFill>
+                <a:latin typeface="Calibri"/>
+                <a:ea typeface="Calibri"/>
+                <a:cs typeface="Calibri"/>
+                <a:sym typeface="Calibri"/>
+                <a:hlinkClick r:id="rId3"/>
+              </a:rPr>
+              <a:t>https://www.youtube.com/watch?v=fYX6hHC9FhQ</a:t>
             </a:r>
             <a:endParaRPr sz="1200">
               <a:latin typeface="Calibri"/>
@@ -39150,7 +39154,7 @@
                 <a:cs typeface="Calibri"/>
                 <a:sym typeface="Calibri"/>
               </a:rPr>
-              <a:t>Login, use max subscription</a:t>
+              <a:t>Install Visual Studio Code, add Claude Code extension</a:t>
             </a:r>
             <a:endParaRPr sz="1200">
               <a:latin typeface="Calibri"/>
@@ -39181,28 +39185,7 @@
                 <a:cs typeface="Calibri"/>
                 <a:sym typeface="Calibri"/>
               </a:rPr>
-              <a:t>Create a folder for your project "</a:t>
-            </a:r>
-            <a:r>
-              <a:rPr lang="en" sz="1050">
-                <a:solidFill>
-                  <a:srgbClr val="131313"/>
-                </a:solidFill>
-                <a:latin typeface="Roboto"/>
-                <a:ea typeface="Roboto"/>
-                <a:cs typeface="Roboto"/>
-                <a:sym typeface="Roboto"/>
-              </a:rPr>
-              <a:t>AI Marketing Officer</a:t>
-            </a:r>
-            <a:r>
-              <a:rPr lang="en" sz="1200">
-                <a:latin typeface="Calibri"/>
-                <a:ea typeface="Calibri"/>
-                <a:cs typeface="Calibri"/>
-                <a:sym typeface="Calibri"/>
-              </a:rPr>
-              <a:t>"</a:t>
+              <a:t>Login, use max subscription</a:t>
             </a:r>
             <a:endParaRPr sz="1200">
               <a:latin typeface="Calibri"/>
@@ -39233,7 +39216,28 @@
                 <a:cs typeface="Calibri"/>
                 <a:sym typeface="Calibri"/>
               </a:rPr>
-              <a:t>Give permissions for most non-destructive actions</a:t>
+              <a:t>Create a folder for your project "</a:t>
+            </a:r>
+            <a:r>
+              <a:rPr lang="en" sz="1050">
+                <a:solidFill>
+                  <a:srgbClr val="131313"/>
+                </a:solidFill>
+                <a:latin typeface="Roboto"/>
+                <a:ea typeface="Roboto"/>
+                <a:cs typeface="Roboto"/>
+                <a:sym typeface="Roboto"/>
+              </a:rPr>
+              <a:t>AI Marketing Officer</a:t>
+            </a:r>
+            <a:r>
+              <a:rPr lang="en" sz="1200">
+                <a:latin typeface="Calibri"/>
+                <a:ea typeface="Calibri"/>
+                <a:cs typeface="Calibri"/>
+                <a:sym typeface="Calibri"/>
+              </a:rPr>
+              <a:t>"</a:t>
             </a:r>
             <a:endParaRPr sz="1200">
               <a:latin typeface="Calibri"/>
@@ -39264,7 +39268,7 @@
                 <a:cs typeface="Calibri"/>
                 <a:sym typeface="Calibri"/>
               </a:rPr>
-              <a:t>Next, you build a first “post” skill that takes either a topic or a YouTube/TikTok link, uses an external research agent (like Perplexity) to gather information, then drafts and publishes a social post plus an optional visual via tools like Blot or existing local images. The tutorial demonstrates posting to Twitter/X and LinkedIn, logging what was published, and letting you choose between multiple draft options before posting</a:t>
+              <a:t>Give permissions for most non-destructive actions</a:t>
             </a:r>
             <a:endParaRPr sz="1200">
               <a:latin typeface="Calibri"/>
@@ -39295,7 +39299,7 @@
                 <a:cs typeface="Calibri"/>
                 <a:sym typeface="Calibri"/>
               </a:rPr>
-              <a:t>Then you define a brand-voice layer by adding platform-specific writing samples into a `skill.md` file (or by scraping influencers like Alex Hormozi for Twitter and Justin Welsh for LinkedIn as initial style references). Claude uses these samples to rewrite and upgrade generic drafts into content that better matches your desired tone for each platform</a:t>
+              <a:t>Build a first “post” skill that takes either a topic or a YouTube/TikTok link, uses an external research agent (like Perplexity) to gather information, then drafts and publishes a social post plus an optional visual via tools like Blot or existing local images - for example, posting to Twitter/X and LinkedIn (using API), logging what was published, and letting you choose between multiple draft options before posting</a:t>
             </a:r>
             <a:endParaRPr sz="1200">
               <a:latin typeface="Calibri"/>
@@ -39326,7 +39330,7 @@
                 <a:cs typeface="Calibri"/>
                 <a:sym typeface="Calibri"/>
               </a:rPr>
-              <a:t>You then add “quality gates” using Claude Code hooks: small scripts that automatically run before publishing to enforce rules such as banning certain punctuation (like em dashes), blocking disallowed keywords, or constraining color schemes in visuals. Every post must pass these checks before it can be published, so the system can enforce consistent quality and brand safety without manual review each time</a:t>
+              <a:t>Define a brand-voice layer by adding platform-specific writing samples into a `skill.md` file (or by scraping influencers like Alex Hormozi for Twitter and Justin Welsh for LinkedIn as initial style references). Claude uses these samples to rewrite and upgrade generic drafts into content that better matches your desired tone for each platform</a:t>
             </a:r>
             <a:endParaRPr sz="1200">
               <a:latin typeface="Calibri"/>
@@ -39335,6 +39339,40 @@
               <a:sym typeface="Calibri"/>
             </a:endParaRPr>
           </a:p>
+        </p:txBody>
+      </p:sp>
+      <p:sp>
+        <p:nvSpPr>
+          <p:cNvPr id="240" name="Google Shape;240;p37"/>
+          <p:cNvSpPr txBox="1"/>
+          <p:nvPr/>
+        </p:nvSpPr>
+        <p:spPr>
+          <a:xfrm>
+            <a:off x="4606275" y="1345400"/>
+            <a:ext cx="4459200" cy="3712500"/>
+          </a:xfrm>
+          <a:prstGeom prst="rect">
+            <a:avLst/>
+          </a:prstGeom>
+          <a:solidFill>
+            <a:srgbClr val="FFF2CC"/>
+          </a:solidFill>
+          <a:ln w="9525" cap="flat" cmpd="sng">
+            <a:solidFill>
+              <a:srgbClr val="FF0000"/>
+            </a:solidFill>
+            <a:prstDash val="solid"/>
+            <a:round/>
+            <a:headEnd type="none" w="sm" len="sm"/>
+            <a:tailEnd type="none" w="sm" len="sm"/>
+          </a:ln>
+        </p:spPr>
+        <p:txBody>
+          <a:bodyPr spcFirstLastPara="1" wrap="square" lIns="9125" tIns="9125" rIns="9125" bIns="9125" anchor="t" anchorCtr="0">
+            <a:spAutoFit/>
+          </a:bodyPr>
+          <a:lstStyle/>
           <a:p>
             <a:pPr marL="171450" marR="0" lvl="0" indent="-133350" algn="l" rtl="0">
               <a:lnSpc>
@@ -39357,7 +39395,7 @@
                 <a:cs typeface="Calibri"/>
                 <a:sym typeface="Calibri"/>
               </a:rPr>
-              <a:t>After that, the tutorial introduces sub-agents, where each sub-agent is responsible for one platform and runs in parallel to handle its own formatting, scheduling, and publishing. This multi-agent setup lets the same core content be adapted and pushed to multiple platforms asynchronously, improving speed and reliability for multi-platform campaigns</a:t>
+              <a:t>You then add “quality gates” using Claude Code hooks: small scripts that automatically run before publishing to enforce rules such as banning certain punctuation (like em dashes), blocking disallowed keywords, or constraining color schemes in visuals. Every post must pass these checks before it can be published, so the system can enforce consistent quality and brand safety without manual review each time</a:t>
             </a:r>
             <a:endParaRPr sz="1200">
               <a:latin typeface="Calibri"/>
@@ -39388,7 +39426,7 @@
                 <a:cs typeface="Calibri"/>
                 <a:sym typeface="Calibri"/>
               </a:rPr>
-              <a:t>Finally, you create a second planning skill that, from a single sentence brief, proposes a full weekly content calendar, lets you review and edit the plan and drafts, then schedules posts on your calendar once approved</a:t>
+              <a:t>After that, the tutorial introduces sub-agents, where each sub-agent is responsible for one platform and runs in parallel to handle its own formatting, scheduling, and publishing. This multi-agent setup lets the same core content be adapted and pushed to multiple platforms asynchronously, improving speed and reliability for multi-platform campaigns</a:t>
             </a:r>
             <a:endParaRPr sz="1200">
               <a:latin typeface="Calibri"/>
@@ -39419,7 +39457,7 @@
                 <a:cs typeface="Calibri"/>
                 <a:sym typeface="Calibri"/>
               </a:rPr>
-              <a:t>keep a personal `claude.md` memory file with prompts, patterns, and lessons learned so Claude can steadily improve at working with your specific workflows over time</a:t>
+              <a:t>Finally, you create a second planning skill that, from a single sentence brief, proposes a full weekly content calendar, lets you review and edit the plan and drafts, then schedules posts on your calendar once approved</a:t>
             </a:r>
             <a:endParaRPr sz="1200">
               <a:latin typeface="Calibri"/>
@@ -39444,17 +39482,13 @@
               <a:buChar char="●"/>
             </a:pPr>
             <a:r>
-              <a:rPr lang="en" sz="1200" u="sng">
-                <a:solidFill>
-                  <a:schemeClr val="hlink"/>
-                </a:solidFill>
-                <a:latin typeface="Calibri"/>
-                <a:ea typeface="Calibri"/>
-                <a:cs typeface="Calibri"/>
-                <a:sym typeface="Calibri"/>
-                <a:hlinkClick r:id="rId3"/>
-              </a:rPr>
-              <a:t>https://www.youtube.com/watch?v=fYX6hHC9FhQ</a:t>
+              <a:rPr lang="en" sz="1200">
+                <a:latin typeface="Calibri"/>
+                <a:ea typeface="Calibri"/>
+                <a:cs typeface="Calibri"/>
+                <a:sym typeface="Calibri"/>
+              </a:rPr>
+              <a:t>Keep a personal `claude.md` memory file with prompts, patterns, and lessons learned so Claude can steadily improve at working with your specific workflows over time</a:t>
             </a:r>
             <a:endParaRPr sz="1200">
               <a:latin typeface="Calibri"/>
@@ -39478,7 +39512,7 @@
   <p:cSld>
     <p:spTree>
       <p:nvGrpSpPr>
-        <p:cNvPr id="1" name="Shape 243"/>
+        <p:cNvPr id="1" name="Shape 244"/>
         <p:cNvGrpSpPr/>
         <p:nvPr/>
       </p:nvGrpSpPr>
@@ -39492,7 +39526,7 @@
       </p:grpSpPr>
       <p:sp>
         <p:nvSpPr>
-          <p:cNvPr id="244" name="Google Shape;244;p38"/>
+          <p:cNvPr id="245" name="Google Shape;245;p38"/>
           <p:cNvSpPr txBox="1"/>
           <p:nvPr/>
         </p:nvSpPr>
@@ -39558,7 +39592,7 @@
       </p:sp>
       <p:sp>
         <p:nvSpPr>
-          <p:cNvPr id="245" name="Google Shape;245;p38"/>
+          <p:cNvPr id="246" name="Google Shape;246;p38"/>
           <p:cNvSpPr txBox="1"/>
           <p:nvPr/>
         </p:nvSpPr>
@@ -39729,7 +39763,7 @@
       </p:sp>
       <p:sp>
         <p:nvSpPr>
-          <p:cNvPr id="246" name="Google Shape;246;p38"/>
+          <p:cNvPr id="247" name="Google Shape;247;p38"/>
           <p:cNvSpPr txBox="1"/>
           <p:nvPr/>
         </p:nvSpPr>
@@ -39913,7 +39947,7 @@
       </p:sp>
       <p:sp>
         <p:nvSpPr>
-          <p:cNvPr id="247" name="Google Shape;247;p38"/>
+          <p:cNvPr id="248" name="Google Shape;248;p38"/>
           <p:cNvSpPr txBox="1"/>
           <p:nvPr/>
         </p:nvSpPr>
@@ -40286,7 +40320,7 @@
   <p:cSld>
     <p:spTree>
       <p:nvGrpSpPr>
-        <p:cNvPr id="1" name="Shape 251"/>
+        <p:cNvPr id="1" name="Shape 252"/>
         <p:cNvGrpSpPr/>
         <p:nvPr/>
       </p:nvGrpSpPr>
@@ -40300,7 +40334,7 @@
       </p:grpSpPr>
       <p:sp>
         <p:nvSpPr>
-          <p:cNvPr id="252" name="Google Shape;252;p39"/>
+          <p:cNvPr id="253" name="Google Shape;253;p39"/>
           <p:cNvSpPr txBox="1"/>
           <p:nvPr/>
         </p:nvSpPr>
@@ -40366,7 +40400,7 @@
       </p:sp>
       <p:sp>
         <p:nvSpPr>
-          <p:cNvPr id="253" name="Google Shape;253;p39"/>
+          <p:cNvPr id="254" name="Google Shape;254;p39"/>
           <p:cNvSpPr txBox="1"/>
           <p:nvPr/>
         </p:nvSpPr>
@@ -40608,7 +40642,7 @@
       </p:sp>
       <p:sp>
         <p:nvSpPr>
-          <p:cNvPr id="254" name="Google Shape;254;p39"/>
+          <p:cNvPr id="255" name="Google Shape;255;p39"/>
           <p:cNvSpPr txBox="1"/>
           <p:nvPr/>
         </p:nvSpPr>
@@ -40810,7 +40844,7 @@
       </p:sp>
       <p:sp>
         <p:nvSpPr>
-          <p:cNvPr id="255" name="Google Shape;255;p39"/>
+          <p:cNvPr id="256" name="Google Shape;256;p39"/>
           <p:cNvSpPr txBox="1"/>
           <p:nvPr/>
         </p:nvSpPr>
@@ -41081,7 +41115,7 @@
   <p:cSld>
     <p:spTree>
       <p:nvGrpSpPr>
-        <p:cNvPr id="1" name="Shape 259"/>
+        <p:cNvPr id="1" name="Shape 260"/>
         <p:cNvGrpSpPr/>
         <p:nvPr/>
       </p:nvGrpSpPr>
@@ -41095,7 +41129,7 @@
       </p:grpSpPr>
       <p:sp>
         <p:nvSpPr>
-          <p:cNvPr id="260" name="Google Shape;260;p40"/>
+          <p:cNvPr id="261" name="Google Shape;261;p40"/>
           <p:cNvSpPr txBox="1"/>
           <p:nvPr/>
         </p:nvSpPr>
@@ -41161,7 +41195,7 @@
       </p:sp>
       <p:sp>
         <p:nvSpPr>
-          <p:cNvPr id="261" name="Google Shape;261;p40"/>
+          <p:cNvPr id="262" name="Google Shape;262;p40"/>
           <p:cNvSpPr txBox="1"/>
           <p:nvPr/>
         </p:nvSpPr>
@@ -41289,7 +41323,7 @@
       </p:sp>
       <p:sp>
         <p:nvSpPr>
-          <p:cNvPr id="262" name="Google Shape;262;p40"/>
+          <p:cNvPr id="263" name="Google Shape;263;p40"/>
           <p:cNvSpPr txBox="1"/>
           <p:nvPr/>
         </p:nvSpPr>
@@ -41559,7 +41593,7 @@
       </p:sp>
       <p:sp>
         <p:nvSpPr>
-          <p:cNvPr id="263" name="Google Shape;263;p40"/>
+          <p:cNvPr id="264" name="Google Shape;264;p40"/>
           <p:cNvSpPr txBox="1"/>
           <p:nvPr/>
         </p:nvSpPr>
@@ -41820,7 +41854,7 @@
       </p:sp>
       <p:pic>
         <p:nvPicPr>
-          <p:cNvPr id="264" name="Google Shape;264;p40"/>
+          <p:cNvPr id="265" name="Google Shape;265;p40"/>
           <p:cNvPicPr preferRelativeResize="0"/>
           <p:nvPr/>
         </p:nvPicPr>
@@ -41859,7 +41893,7 @@
       </p:pic>
       <p:pic>
         <p:nvPicPr>
-          <p:cNvPr id="265" name="Google Shape;265;p40"/>
+          <p:cNvPr id="266" name="Google Shape;266;p40"/>
           <p:cNvPicPr preferRelativeResize="0"/>
           <p:nvPr/>
         </p:nvPicPr>
@@ -41909,7 +41943,7 @@
   <p:cSld>
     <p:spTree>
       <p:nvGrpSpPr>
-        <p:cNvPr id="1" name="Shape 269"/>
+        <p:cNvPr id="1" name="Shape 270"/>
         <p:cNvGrpSpPr/>
         <p:nvPr/>
       </p:nvGrpSpPr>
@@ -41923,7 +41957,7 @@
       </p:grpSpPr>
       <p:pic>
         <p:nvPicPr>
-          <p:cNvPr id="270" name="Google Shape;270;p41"/>
+          <p:cNvPr id="271" name="Google Shape;271;p41"/>
           <p:cNvPicPr preferRelativeResize="0"/>
           <p:nvPr/>
         </p:nvPicPr>
@@ -41955,7 +41989,7 @@
       </p:pic>
       <p:sp>
         <p:nvSpPr>
-          <p:cNvPr id="271" name="Google Shape;271;p41"/>
+          <p:cNvPr id="272" name="Google Shape;272;p41"/>
           <p:cNvSpPr txBox="1"/>
           <p:nvPr/>
         </p:nvSpPr>
@@ -42021,7 +42055,7 @@
       </p:sp>
       <p:sp>
         <p:nvSpPr>
-          <p:cNvPr id="272" name="Google Shape;272;p41"/>
+          <p:cNvPr id="273" name="Google Shape;273;p41"/>
           <p:cNvSpPr txBox="1"/>
           <p:nvPr/>
         </p:nvSpPr>
@@ -42451,7 +42485,7 @@
       </p:sp>
       <p:pic>
         <p:nvPicPr>
-          <p:cNvPr id="273" name="Google Shape;273;p41"/>
+          <p:cNvPr id="274" name="Google Shape;274;p41"/>
           <p:cNvPicPr preferRelativeResize="0"/>
           <p:nvPr/>
         </p:nvPicPr>
@@ -42483,7 +42517,7 @@
       </p:pic>
       <p:sp>
         <p:nvSpPr>
-          <p:cNvPr id="274" name="Google Shape;274;p41"/>
+          <p:cNvPr id="275" name="Google Shape;275;p41"/>
           <p:cNvSpPr txBox="1"/>
           <p:nvPr/>
         </p:nvSpPr>
@@ -42562,7 +42596,7 @@
       </p:sp>
       <p:sp>
         <p:nvSpPr>
-          <p:cNvPr id="275" name="Google Shape;275;p41"/>
+          <p:cNvPr id="276" name="Google Shape;276;p41"/>
           <p:cNvSpPr txBox="1"/>
           <p:nvPr/>
         </p:nvSpPr>
@@ -42639,7 +42673,7 @@
   <p:cSld>
     <p:spTree>
       <p:nvGrpSpPr>
-        <p:cNvPr id="1" name="Shape 279"/>
+        <p:cNvPr id="1" name="Shape 280"/>
         <p:cNvGrpSpPr/>
         <p:nvPr/>
       </p:nvGrpSpPr>
@@ -42653,7 +42687,7 @@
       </p:grpSpPr>
       <p:sp>
         <p:nvSpPr>
-          <p:cNvPr id="280" name="Google Shape;280;p42"/>
+          <p:cNvPr id="281" name="Google Shape;281;p42"/>
           <p:cNvSpPr txBox="1"/>
           <p:nvPr/>
         </p:nvSpPr>
